--- a/TIIA.pptx
+++ b/TIIA.pptx
@@ -19,8 +19,9 @@
     <p:sldId id="271" r:id="rId13"/>
     <p:sldId id="272" r:id="rId14"/>
     <p:sldId id="258" r:id="rId15"/>
-    <p:sldId id="274" r:id="rId16"/>
-    <p:sldId id="275" r:id="rId17"/>
+    <p:sldId id="276" r:id="rId16"/>
+    <p:sldId id="274" r:id="rId17"/>
+    <p:sldId id="275" r:id="rId18"/>
   </p:sldIdLst>
   <p:sldSz cx="12192000" cy="6858000"/>
   <p:notesSz cx="6858000" cy="9144000"/>
@@ -8233,21 +8234,57 @@
         </p:nvSpPr>
         <p:spPr>
           <a:xfrm>
-            <a:off x="401215" y="111335"/>
-            <a:ext cx="8220271" cy="660653"/>
+            <a:off x="1112463" y="62975"/>
+            <a:ext cx="4023360" cy="897497"/>
           </a:xfrm>
         </p:spPr>
         <p:txBody>
           <a:bodyPr anchor="b">
-            <a:normAutofit fontScale="90000"/>
+            <a:normAutofit/>
           </a:bodyPr>
           <a:lstStyle/>
           <a:p>
+            <a:r>
+              <a:rPr lang="en-US" sz="4800" dirty="0" err="1"/>
+              <a:t>Pycharm</a:t>
+            </a:r>
             <a:r>
               <a:rPr lang="en-US" sz="4800" dirty="0"/>
-              <a:t>Working</a:t>
+              <a:t> IDE</a:t>
             </a:r>
             <a:endParaRPr lang="en-IN" sz="4800" dirty="0"/>
+          </a:p>
+        </p:txBody>
+      </p:sp>
+      <p:sp>
+        <p:nvSpPr>
+          <p:cNvPr id="3" name="Subtitle 2">
+            <a:extLst>
+              <a:ext uri="{FF2B5EF4-FFF2-40B4-BE49-F238E27FC236}">
+                <a16:creationId xmlns:a16="http://schemas.microsoft.com/office/drawing/2014/main" id="{1108EDA4-4B99-4985-805E-4418A0ECF6F5}"/>
+              </a:ext>
+            </a:extLst>
+          </p:cNvPr>
+          <p:cNvSpPr>
+            <a:spLocks noGrp="1"/>
+          </p:cNvSpPr>
+          <p:nvPr>
+            <p:ph type="subTitle" idx="1"/>
+          </p:nvPr>
+        </p:nvSpPr>
+        <p:spPr>
+          <a:xfrm>
+            <a:off x="477980" y="4872922"/>
+            <a:ext cx="4023359" cy="1208141"/>
+          </a:xfrm>
+        </p:spPr>
+        <p:txBody>
+          <a:bodyPr>
+            <a:normAutofit/>
+          </a:bodyPr>
+          <a:lstStyle/>
+          <a:p>
+            <a:endParaRPr lang="en-IN" sz="2000"/>
           </a:p>
         </p:txBody>
       </p:sp>
@@ -8446,6 +8483,478 @@
       </p:sp>
       <p:pic>
         <p:nvPicPr>
+          <p:cNvPr id="5" name="Picture 4">
+            <a:extLst>
+              <a:ext uri="{FF2B5EF4-FFF2-40B4-BE49-F238E27FC236}">
+                <a16:creationId xmlns:a16="http://schemas.microsoft.com/office/drawing/2014/main" id="{F9A0D8FE-B764-4933-9FED-BF81BA208DF0}"/>
+              </a:ext>
+            </a:extLst>
+          </p:cNvPr>
+          <p:cNvPicPr>
+            <a:picLocks noChangeAspect="1"/>
+          </p:cNvPicPr>
+          <p:nvPr/>
+        </p:nvPicPr>
+        <p:blipFill>
+          <a:blip r:embed="rId3"/>
+          <a:stretch>
+            <a:fillRect/>
+          </a:stretch>
+        </p:blipFill>
+        <p:spPr>
+          <a:xfrm>
+            <a:off x="5771920" y="62975"/>
+            <a:ext cx="3764606" cy="6690940"/>
+          </a:xfrm>
+          <a:prstGeom prst="rect">
+            <a:avLst/>
+          </a:prstGeom>
+        </p:spPr>
+      </p:pic>
+    </p:spTree>
+    <p:extLst>
+      <p:ext uri="{BB962C8B-B14F-4D97-AF65-F5344CB8AC3E}">
+        <p14:creationId xmlns:p14="http://schemas.microsoft.com/office/powerpoint/2010/main" val="2924018378"/>
+      </p:ext>
+    </p:extLst>
+  </p:cSld>
+  <p:clrMapOvr>
+    <a:masterClrMapping/>
+  </p:clrMapOvr>
+</p:sld>
+</file>
+
+<file path=ppt/slides/slide16.xml><?xml version="1.0" encoding="utf-8"?>
+<p:sld xmlns:a="http://schemas.openxmlformats.org/drawingml/2006/main" xmlns:r="http://schemas.openxmlformats.org/officeDocument/2006/relationships" xmlns:p="http://schemas.openxmlformats.org/presentationml/2006/main">
+  <p:cSld>
+    <p:bg>
+      <p:bgPr>
+        <a:solidFill>
+          <a:schemeClr val="bg1"/>
+        </a:solidFill>
+        <a:effectLst/>
+      </p:bgPr>
+    </p:bg>
+    <p:spTree>
+      <p:nvGrpSpPr>
+        <p:cNvPr id="1" name=""/>
+        <p:cNvGrpSpPr/>
+        <p:nvPr/>
+      </p:nvGrpSpPr>
+      <p:grpSpPr>
+        <a:xfrm>
+          <a:off x="0" y="0"/>
+          <a:ext cx="0" cy="0"/>
+          <a:chOff x="0" y="0"/>
+          <a:chExt cx="0" cy="0"/>
+        </a:xfrm>
+      </p:grpSpPr>
+      <p:sp useBgFill="1">
+        <p:nvSpPr>
+          <p:cNvPr id="9" name="Rectangle 8">
+            <a:extLst>
+              <a:ext uri="{FF2B5EF4-FFF2-40B4-BE49-F238E27FC236}">
+                <a16:creationId xmlns:a16="http://schemas.microsoft.com/office/drawing/2014/main" id="{E91DC736-0EF8-4F87-9146-EBF1D2EE4D3D}"/>
+              </a:ext>
+              <a:ext uri="{C183D7F6-B498-43B3-948B-1728B52AA6E4}">
+                <adec:decorative xmlns:adec="http://schemas.microsoft.com/office/drawing/2017/decorative" val="1"/>
+              </a:ext>
+            </a:extLst>
+          </p:cNvPr>
+          <p:cNvSpPr>
+            <a:spLocks noGrp="1" noRot="1" noChangeAspect="1" noMove="1" noResize="1" noEditPoints="1" noAdjustHandles="1" noChangeArrowheads="1" noChangeShapeType="1" noTextEdit="1"/>
+          </p:cNvSpPr>
+          <p:nvPr>
+            <p:extLst>
+              <p:ext uri="{386F3935-93C4-4BCD-93E2-E3B085C9AB24}">
+                <p16:designElem xmlns:p16="http://schemas.microsoft.com/office/powerpoint/2015/main" val="1"/>
+              </p:ext>
+            </p:extLst>
+          </p:nvPr>
+        </p:nvSpPr>
+        <p:spPr>
+          <a:xfrm>
+            <a:off x="0" y="0"/>
+            <a:ext cx="12192000" cy="6858000"/>
+          </a:xfrm>
+          <a:prstGeom prst="rect">
+            <a:avLst/>
+          </a:prstGeom>
+          <a:ln>
+            <a:noFill/>
+          </a:ln>
+        </p:spPr>
+        <p:style>
+          <a:lnRef idx="2">
+            <a:schemeClr val="accent1">
+              <a:shade val="50000"/>
+            </a:schemeClr>
+          </a:lnRef>
+          <a:fillRef idx="1">
+            <a:schemeClr val="accent1"/>
+          </a:fillRef>
+          <a:effectRef idx="0">
+            <a:schemeClr val="accent1"/>
+          </a:effectRef>
+          <a:fontRef idx="minor">
+            <a:schemeClr val="lt1"/>
+          </a:fontRef>
+        </p:style>
+        <p:txBody>
+          <a:bodyPr rtlCol="0" anchor="ctr"/>
+          <a:lstStyle/>
+          <a:p>
+            <a:pPr algn="ctr"/>
+            <a:endParaRPr lang="en-US"/>
+          </a:p>
+        </p:txBody>
+      </p:sp>
+      <p:pic>
+        <p:nvPicPr>
+          <p:cNvPr id="21" name="Picture 3">
+            <a:extLst>
+              <a:ext uri="{FF2B5EF4-FFF2-40B4-BE49-F238E27FC236}">
+                <a16:creationId xmlns:a16="http://schemas.microsoft.com/office/drawing/2014/main" id="{FB629860-39A3-4D68-8A6D-F85CF36BD5E5}"/>
+              </a:ext>
+            </a:extLst>
+          </p:cNvPr>
+          <p:cNvPicPr>
+            <a:picLocks noChangeAspect="1"/>
+          </p:cNvPicPr>
+          <p:nvPr/>
+        </p:nvPicPr>
+        <p:blipFill rotWithShape="1">
+          <a:blip r:embed="rId2"/>
+          <a:srcRect r="11521" b="1"/>
+          <a:stretch/>
+        </p:blipFill>
+        <p:spPr>
+          <a:xfrm>
+            <a:off x="3523488" y="10"/>
+            <a:ext cx="8668512" cy="6857990"/>
+          </a:xfrm>
+          <a:prstGeom prst="rect">
+            <a:avLst/>
+          </a:prstGeom>
+        </p:spPr>
+      </p:pic>
+      <p:sp>
+        <p:nvSpPr>
+          <p:cNvPr id="11" name="Rectangle 10">
+            <a:extLst>
+              <a:ext uri="{FF2B5EF4-FFF2-40B4-BE49-F238E27FC236}">
+                <a16:creationId xmlns:a16="http://schemas.microsoft.com/office/drawing/2014/main" id="{097CD68E-23E3-4007-8847-CD0944C4F7BE}"/>
+              </a:ext>
+              <a:ext uri="{C183D7F6-B498-43B3-948B-1728B52AA6E4}">
+                <adec:decorative xmlns:adec="http://schemas.microsoft.com/office/drawing/2017/decorative" val="1"/>
+              </a:ext>
+            </a:extLst>
+          </p:cNvPr>
+          <p:cNvSpPr>
+            <a:spLocks noGrp="1" noRot="1" noChangeAspect="1" noMove="1" noResize="1" noEditPoints="1" noAdjustHandles="1" noChangeArrowheads="1" noChangeShapeType="1" noTextEdit="1"/>
+          </p:cNvSpPr>
+          <p:nvPr>
+            <p:extLst>
+              <p:ext uri="{386F3935-93C4-4BCD-93E2-E3B085C9AB24}">
+                <p16:designElem xmlns:p16="http://schemas.microsoft.com/office/powerpoint/2015/main" val="1"/>
+              </p:ext>
+            </p:extLst>
+          </p:nvPr>
+        </p:nvSpPr>
+        <p:spPr>
+          <a:xfrm>
+            <a:off x="0" y="0"/>
+            <a:ext cx="9756601" cy="6858000"/>
+          </a:xfrm>
+          <a:prstGeom prst="rect">
+            <a:avLst/>
+          </a:prstGeom>
+          <a:gradFill>
+            <a:gsLst>
+              <a:gs pos="58000">
+                <a:schemeClr val="bg1"/>
+              </a:gs>
+              <a:gs pos="35000">
+                <a:schemeClr val="bg1">
+                  <a:alpha val="79000"/>
+                </a:schemeClr>
+              </a:gs>
+              <a:gs pos="19000">
+                <a:schemeClr val="bg1">
+                  <a:alpha val="38000"/>
+                </a:schemeClr>
+              </a:gs>
+              <a:gs pos="0">
+                <a:schemeClr val="bg1">
+                  <a:alpha val="0"/>
+                </a:schemeClr>
+              </a:gs>
+              <a:gs pos="100000">
+                <a:schemeClr val="bg1"/>
+              </a:gs>
+            </a:gsLst>
+            <a:lin ang="10800000" scaled="0"/>
+          </a:gradFill>
+          <a:ln>
+            <a:noFill/>
+          </a:ln>
+        </p:spPr>
+        <p:style>
+          <a:lnRef idx="2">
+            <a:schemeClr val="accent1">
+              <a:shade val="50000"/>
+            </a:schemeClr>
+          </a:lnRef>
+          <a:fillRef idx="1">
+            <a:schemeClr val="accent1"/>
+          </a:fillRef>
+          <a:effectRef idx="0">
+            <a:schemeClr val="accent1"/>
+          </a:effectRef>
+          <a:fontRef idx="minor">
+            <a:schemeClr val="lt1"/>
+          </a:fontRef>
+        </p:style>
+        <p:txBody>
+          <a:bodyPr rtlCol="0" anchor="ctr"/>
+          <a:lstStyle/>
+          <a:p>
+            <a:pPr algn="ctr"/>
+            <a:endParaRPr lang="en-US" dirty="0"/>
+          </a:p>
+        </p:txBody>
+      </p:sp>
+      <p:sp>
+        <p:nvSpPr>
+          <p:cNvPr id="2" name="Title 1">
+            <a:extLst>
+              <a:ext uri="{FF2B5EF4-FFF2-40B4-BE49-F238E27FC236}">
+                <a16:creationId xmlns:a16="http://schemas.microsoft.com/office/drawing/2014/main" id="{E9B309D8-1800-41CC-B6C6-A25158213115}"/>
+              </a:ext>
+            </a:extLst>
+          </p:cNvPr>
+          <p:cNvSpPr>
+            <a:spLocks noGrp="1"/>
+          </p:cNvSpPr>
+          <p:nvPr>
+            <p:ph type="ctrTitle"/>
+          </p:nvPr>
+        </p:nvSpPr>
+        <p:spPr>
+          <a:xfrm>
+            <a:off x="401215" y="111335"/>
+            <a:ext cx="8220271" cy="660653"/>
+          </a:xfrm>
+        </p:spPr>
+        <p:txBody>
+          <a:bodyPr anchor="b">
+            <a:normAutofit fontScale="90000"/>
+          </a:bodyPr>
+          <a:lstStyle/>
+          <a:p>
+            <a:r>
+              <a:rPr lang="en-US" sz="4800" dirty="0"/>
+              <a:t>Working</a:t>
+            </a:r>
+            <a:endParaRPr lang="en-IN" sz="4800" dirty="0"/>
+          </a:p>
+        </p:txBody>
+      </p:sp>
+      <p:sp>
+        <p:nvSpPr>
+          <p:cNvPr id="13" name="Rectangle 12">
+            <a:extLst>
+              <a:ext uri="{FF2B5EF4-FFF2-40B4-BE49-F238E27FC236}">
+                <a16:creationId xmlns:a16="http://schemas.microsoft.com/office/drawing/2014/main" id="{AF2F604E-43BE-4DC3-B983-E071523364F8}"/>
+              </a:ext>
+              <a:ext uri="{C183D7F6-B498-43B3-948B-1728B52AA6E4}">
+                <adec:decorative xmlns:adec="http://schemas.microsoft.com/office/drawing/2017/decorative" val="1"/>
+              </a:ext>
+            </a:extLst>
+          </p:cNvPr>
+          <p:cNvSpPr>
+            <a:spLocks noGrp="1" noRot="1" noChangeAspect="1" noMove="1" noResize="1" noEditPoints="1" noAdjustHandles="1" noChangeArrowheads="1" noChangeShapeType="1" noTextEdit="1"/>
+          </p:cNvSpPr>
+          <p:nvPr>
+            <p:extLst>
+              <p:ext uri="{386F3935-93C4-4BCD-93E2-E3B085C9AB24}">
+                <p16:designElem xmlns:p16="http://schemas.microsoft.com/office/powerpoint/2015/main" val="1"/>
+              </p:ext>
+            </p:extLst>
+          </p:nvPr>
+        </p:nvSpPr>
+        <p:spPr>
+          <a:xfrm rot="5400000">
+            <a:off x="759921" y="346791"/>
+            <a:ext cx="146304" cy="704088"/>
+          </a:xfrm>
+          <a:prstGeom prst="rect">
+            <a:avLst/>
+          </a:prstGeom>
+          <a:solidFill>
+            <a:schemeClr val="accent1"/>
+          </a:solidFill>
+          <a:ln>
+            <a:noFill/>
+          </a:ln>
+        </p:spPr>
+        <p:style>
+          <a:lnRef idx="2">
+            <a:schemeClr val="accent1">
+              <a:shade val="50000"/>
+            </a:schemeClr>
+          </a:lnRef>
+          <a:fillRef idx="1">
+            <a:schemeClr val="accent1"/>
+          </a:fillRef>
+          <a:effectRef idx="0">
+            <a:schemeClr val="accent1"/>
+          </a:effectRef>
+          <a:fontRef idx="minor">
+            <a:schemeClr val="lt1"/>
+          </a:fontRef>
+        </p:style>
+        <p:txBody>
+          <a:bodyPr rtlCol="0" anchor="ctr"/>
+          <a:lstStyle/>
+          <a:p>
+            <a:pPr marL="0" marR="0" lvl="0" indent="0" algn="ctr" defTabSz="914400" rtl="0" eaLnBrk="1" fontAlgn="auto" latinLnBrk="0" hangingPunct="1">
+              <a:lnSpc>
+                <a:spcPct val="100000"/>
+              </a:lnSpc>
+              <a:spcBef>
+                <a:spcPts val="0"/>
+              </a:spcBef>
+              <a:spcAft>
+                <a:spcPts val="0"/>
+              </a:spcAft>
+              <a:buClrTx/>
+              <a:buSzTx/>
+              <a:buFontTx/>
+              <a:buNone/>
+              <a:tabLst/>
+              <a:defRPr/>
+            </a:pPr>
+            <a:endParaRPr kumimoji="0" lang="en-US" sz="1800" b="0" i="0" u="none" strike="noStrike" kern="1200" cap="none" spc="0" normalizeH="0" baseline="0" noProof="0">
+              <a:ln>
+                <a:noFill/>
+              </a:ln>
+              <a:solidFill>
+                <a:prstClr val="white"/>
+              </a:solidFill>
+              <a:effectLst/>
+              <a:uLnTx/>
+              <a:uFillTx/>
+              <a:latin typeface="Calibri" panose="020F0502020204030204"/>
+              <a:ea typeface="+mn-ea"/>
+              <a:cs typeface="+mn-cs"/>
+            </a:endParaRPr>
+          </a:p>
+        </p:txBody>
+      </p:sp>
+      <p:sp>
+        <p:nvSpPr>
+          <p:cNvPr id="15" name="Rectangle 14">
+            <a:extLst>
+              <a:ext uri="{FF2B5EF4-FFF2-40B4-BE49-F238E27FC236}">
+                <a16:creationId xmlns:a16="http://schemas.microsoft.com/office/drawing/2014/main" id="{08C9B587-E65E-4B52-B37C-ABEBB6E87928}"/>
+              </a:ext>
+              <a:ext uri="{C183D7F6-B498-43B3-948B-1728B52AA6E4}">
+                <adec:decorative xmlns:adec="http://schemas.microsoft.com/office/drawing/2017/decorative" val="1"/>
+              </a:ext>
+            </a:extLst>
+          </p:cNvPr>
+          <p:cNvSpPr>
+            <a:spLocks noGrp="1" noRot="1" noChangeAspect="1" noMove="1" noResize="1" noEditPoints="1" noAdjustHandles="1" noChangeArrowheads="1" noChangeShapeType="1" noTextEdit="1"/>
+          </p:cNvSpPr>
+          <p:nvPr>
+            <p:extLst>
+              <p:ext uri="{386F3935-93C4-4BCD-93E2-E3B085C9AB24}">
+                <p16:designElem xmlns:p16="http://schemas.microsoft.com/office/powerpoint/2015/main" val="1"/>
+              </p:ext>
+            </p:extLst>
+          </p:nvPr>
+        </p:nvSpPr>
+        <p:spPr>
+          <a:xfrm>
+            <a:off x="481029" y="4546920"/>
+            <a:ext cx="3977640" cy="18288"/>
+          </a:xfrm>
+          <a:prstGeom prst="rect">
+            <a:avLst/>
+          </a:prstGeom>
+          <a:solidFill>
+            <a:schemeClr val="tx2">
+              <a:lumMod val="25000"/>
+              <a:lumOff val="75000"/>
+            </a:schemeClr>
+          </a:solidFill>
+          <a:ln w="3175">
+            <a:solidFill>
+              <a:schemeClr val="tx2">
+                <a:lumMod val="25000"/>
+                <a:lumOff val="75000"/>
+              </a:schemeClr>
+            </a:solidFill>
+          </a:ln>
+          <a:effectLst/>
+        </p:spPr>
+        <p:style>
+          <a:lnRef idx="2">
+            <a:schemeClr val="accent1">
+              <a:shade val="50000"/>
+            </a:schemeClr>
+          </a:lnRef>
+          <a:fillRef idx="1">
+            <a:schemeClr val="accent1"/>
+          </a:fillRef>
+          <a:effectRef idx="0">
+            <a:schemeClr val="accent1"/>
+          </a:effectRef>
+          <a:fontRef idx="minor">
+            <a:schemeClr val="lt1"/>
+          </a:fontRef>
+        </p:style>
+        <p:txBody>
+          <a:bodyPr rtlCol="0" anchor="ctr"/>
+          <a:lstStyle/>
+          <a:p>
+            <a:pPr marL="0" marR="0" lvl="0" indent="0" algn="ctr" defTabSz="914400" rtl="0" eaLnBrk="1" fontAlgn="auto" latinLnBrk="0" hangingPunct="1">
+              <a:lnSpc>
+                <a:spcPct val="100000"/>
+              </a:lnSpc>
+              <a:spcBef>
+                <a:spcPts val="0"/>
+              </a:spcBef>
+              <a:spcAft>
+                <a:spcPts val="0"/>
+              </a:spcAft>
+              <a:buClrTx/>
+              <a:buSzTx/>
+              <a:buFontTx/>
+              <a:buNone/>
+              <a:tabLst/>
+              <a:defRPr/>
+            </a:pPr>
+            <a:endParaRPr kumimoji="0" lang="en-US" sz="1800" b="0" i="0" u="none" strike="noStrike" kern="1200" cap="none" spc="0" normalizeH="0" baseline="0" noProof="0">
+              <a:ln>
+                <a:noFill/>
+              </a:ln>
+              <a:solidFill>
+                <a:prstClr val="white"/>
+              </a:solidFill>
+              <a:effectLst/>
+              <a:uLnTx/>
+              <a:uFillTx/>
+              <a:latin typeface="Calibri" panose="020F0502020204030204"/>
+              <a:ea typeface="+mn-ea"/>
+              <a:cs typeface="+mn-cs"/>
+            </a:endParaRPr>
+          </a:p>
+        </p:txBody>
+      </p:sp>
+      <p:pic>
+        <p:nvPicPr>
           <p:cNvPr id="6" name="Picture 5">
             <a:extLst>
               <a:ext uri="{FF2B5EF4-FFF2-40B4-BE49-F238E27FC236}">
@@ -8487,7 +8996,7 @@
 </p:sld>
 </file>
 
-<file path=ppt/slides/slide16.xml><?xml version="1.0" encoding="utf-8"?>
+<file path=ppt/slides/slide17.xml><?xml version="1.0" encoding="utf-8"?>
 <p:sld xmlns:a="http://schemas.openxmlformats.org/drawingml/2006/main" xmlns:r="http://schemas.openxmlformats.org/officeDocument/2006/relationships" xmlns:p="http://schemas.openxmlformats.org/presentationml/2006/main">
   <p:cSld>
     <p:bg>
